--- a/mwh3.pptx
+++ b/mwh3.pptx
@@ -3457,7 +3457,7 @@
               <a:rPr lang="it-IT" sz="2000" dirty="0">
                 <a:latin typeface="+mn-lt"/>
               </a:rPr>
-              <a:t>Esattamente come è successo per mhw2 anche questa volta parto dalla home. Nell’ipotesi di gestire una ludoteca chiusa (per ovvi motivi) in questo periodo, come prima cosa ho pensato di mettere questo banner per informare le persone di come sta evolvendo la situazione.</a:t>
+              <a:t>Esattamente come ho fatto per mhw2 anche questa volta parto dalla home. Nell’ipotesi di gestire una ludoteca chiusa (per ovvi motivi) in questo periodo, come prima cosa ho pensato di mettere questo banner per informare le persone di come sta evolvendo la situazione.</a:t>
             </a:r>
             <a:br>
               <a:rPr lang="it-IT" sz="2000" dirty="0">
@@ -3468,7 +3468,7 @@
               <a:rPr lang="it-IT" sz="2000" dirty="0">
                 <a:latin typeface="+mn-lt"/>
               </a:rPr>
-              <a:t>Ogni volta che sarà caricata la home sarà lanciato uno script che fa due richieste </a:t>
+              <a:t>Ogni volta che sarà caricata la home sarà lanciato uno script che farà due richieste </a:t>
             </a:r>
             <a:r>
               <a:rPr lang="it-IT" sz="2000" dirty="0" err="1">
@@ -3644,7 +3644,7 @@
             </a:pPr>
             <a:r>
               <a:rPr lang="it-IT" dirty="0"/>
-              <a:t>Nel conteggio dei casi in Italia non viene indicata la data. Quindi prendo la data dell’aggiornamento dei casi delle singole regioni, e poi usa quello più recente;</a:t>
+              <a:t>Nel conteggio dei casi in Italia non viene indicata la data. Quindi prendo la data dell’aggiornamento dei casi delle singole regioni, e poi uso quella più recente;</a:t>
             </a:r>
           </a:p>
           <a:p>
@@ -3672,7 +3672,7 @@
             </a:pPr>
             <a:r>
               <a:rPr lang="it-IT" dirty="0"/>
-              <a:t>Utilizzo una precisione di tre numeri fino a 9.99% poi di 4 numeri, per rimanere sempre con la seconda cifra decimale</a:t>
+              <a:t>Utilizzo una precisione di tre numeri fino a 9.99% poi di 4 numeri, per avere sempre con la seconda cifra decimale</a:t>
             </a:r>
           </a:p>
           <a:p>
@@ -3903,7 +3903,7 @@
               <a:rPr lang="it-IT" sz="2000" dirty="0">
                 <a:latin typeface="+mn-lt"/>
               </a:rPr>
-              <a:t>Cliccando sul link contest del banner si andrà in una nuova pagina. Questa presenta sia alcuni elementi della home, che alcuni simili a quelli presenti nel mhw2. Gli unici cambiamenti degni di nota sono la presenza della voce home nella </a:t>
+              <a:t>Cliccando sul link contest del banner si andrà in una nuova pagina. Questa presenta sia alcuni elementi della home, che alcuni simili a quelli presenti nel mhw2. Gli unici cambiamenti degni di nota sono la presenza della voce «home» nella </a:t>
             </a:r>
             <a:r>
               <a:rPr lang="it-IT" sz="2000" dirty="0" err="1">
@@ -4311,7 +4311,7 @@
               <a:rPr lang="it-IT" sz="2000" dirty="0">
                 <a:latin typeface="+mn-lt"/>
               </a:rPr>
-              <a:t>Della barra di ricerca ho già parlato nella slide precedente. Per quanto riguarda la creazione di blocchi devo tener conto della possibile mancanza dell’immagine o del voto </a:t>
+              <a:t>Nella prima foto ho riportato il codice della barra di ricerca, di cui ho già parlato. Per quanto riguarda la creazione di blocchi, invece, devo tener conto della possibile mancanza dell’immagine o del voto </a:t>
             </a:r>
             <a:r>
               <a:rPr lang="it-IT" sz="2000" dirty="0" err="1">
@@ -4323,7 +4323,7 @@
               <a:rPr lang="it-IT" sz="2000" dirty="0">
                 <a:latin typeface="+mn-lt"/>
               </a:rPr>
-              <a:t>. Nel primo caso non creo proprio l’elemento (ritorna abbastanza elementi inutili, almeno cosi smaltisco un po’, visto che di solito non si tratta di videogiochi se non è presente un’immagine). Nel caso del voto </a:t>
+              <a:t>. Nel primo caso non creo proprio l’elemento (la richiesta ritorna abbastanza elementi inutili, oltre i videogiochi veri, quindi smaltirne un po’ non è un problema). Nel caso dell’assenza del voto </a:t>
             </a:r>
             <a:r>
               <a:rPr lang="it-IT" sz="2000" dirty="0" err="1">
@@ -4439,7 +4439,7 @@
           <a:p>
             <a:r>
               <a:rPr lang="it-IT" dirty="0"/>
-              <a:t>Cliccando sull’immagine di un videogioco selezioneremo esso per il contest. A questo punto possiamo decidere se confermare la scelta o selezionarne un altro. Posso selezionare solo un gioco per volta. Il nuovo gioco selezionato prenderà il bottone del gioco selezionato precedente, se presente (cosi mi evito di crearlo e eliminarlo ogni volta).</a:t>
+              <a:t>Cliccando sull’immagine di un videogioco selezioneremo esso per il contest. A questo punto possiamo decidere se confermare la scelta o selezionarne un altro. Posso selezionare solo un gioco per volta. Il nuovo gioco selezionato prenderà il bottone «conferma» del gioco selezionato precedente, se presente (cosi mi evito di crearlo e eliminarlo ogni volta).</a:t>
             </a:r>
           </a:p>
           <a:p>
@@ -4859,15 +4859,7 @@
           <a:p>
             <a:r>
               <a:rPr lang="it-IT" sz="2200" dirty="0"/>
-              <a:t>Per finire il contest non è presente nella sezione eventi </a:t>
-            </a:r>
-            <a:r>
-              <a:rPr lang="it-IT" sz="2200"/>
-              <a:t>del sito perché </a:t>
-            </a:r>
-            <a:r>
-              <a:rPr lang="it-IT" sz="2200" dirty="0"/>
-              <a:t>quella sarà dedicata ad un altro tipo di eventi i cui dati saranno presi direttamente dal mio database</a:t>
+              <a:t>Per finire il contest non è presente nella sezione eventi del sito perché quella sarà dedicata ad un altro tipo di eventi i cui dati saranno presi direttamente dal mio database</a:t>
             </a:r>
           </a:p>
           <a:p>
